--- a/DOC/20131108_핵심기술및결과/핵심기술및결과_201600726_김정민.pptx
+++ b/DOC/20131108_핵심기술및결과/핵심기술및결과_201600726_김정민.pptx
@@ -2,7 +2,7 @@
 <file path=ppt/presentation.xml><?xml version="1.0" encoding="utf-8"?>
 <p:presentation xmlns:r="http://schemas.openxmlformats.org/officeDocument/2006/relationships" xmlns:c="http://schemas.openxmlformats.org/drawingml/2006/chart" xmlns:a="http://schemas.openxmlformats.org/drawingml/2006/main" xmlns:dgm="http://schemas.openxmlformats.org/drawingml/2006/diagram" xmlns:dsp="http://schemas.microsoft.com/office/drawing/2008/diagram" xmlns:p="http://schemas.openxmlformats.org/presentationml/2006/main" embedTrueTypeFonts="1" saveSubsetFonts="1">
   <p:sldMasterIdLst>
-    <p:sldMasterId id="2147483725" r:id="rId1"/>
+    <p:sldMasterId id="2147483667" r:id="rId1"/>
   </p:sldMasterIdLst>
   <p:notesMasterIdLst>
     <p:notesMasterId r:id="rId2"/>
@@ -20,6 +20,7 @@
     <p:sldId id="265" r:id="rId12"/>
     <p:sldId id="266" r:id="rId13"/>
     <p:sldId id="267" r:id="rId14"/>
+    <p:sldId id="268" r:id="rId15"/>
   </p:sldIdLst>
   <p:sldSz cx="12192000" cy="6858000"/>
   <p:notesSz cx="6858000" cy="9144000"/>
@@ -2045,6 +2046,569 @@
           </a:prstGeom>
           <a:ln w="44450" cap="rnd">
             <a:solidFill>
+              <a:srgbClr val="8dbabd"/>
+            </a:solidFill>
+          </a:ln>
+          <a:effectLst>
+            <a:outerShdw blurRad="50800" dist="38100" dir="5400000" algn="t" rotWithShape="0">
+              <a:prstClr val="black">
+                <a:alpha val="40000"/>
+              </a:prstClr>
+            </a:outerShdw>
+          </a:effectLst>
+        </p:spPr>
+        <p:style>
+          <a:lnRef idx="1">
+            <a:schemeClr val="accent1"/>
+          </a:lnRef>
+          <a:fillRef idx="0">
+            <a:schemeClr val="accent1"/>
+          </a:fillRef>
+          <a:effectRef idx="0">
+            <a:schemeClr val="accent1"/>
+          </a:effectRef>
+          <a:fontRef idx="minor">
+            <a:schemeClr val="tx1"/>
+          </a:fontRef>
+        </p:style>
+      </p:cxnSp>
+      <p:cxnSp>
+        <p:nvCxnSpPr>
+          <p:cNvPr id="17" name="직선 연결선 16"/>
+          <p:cNvCxnSpPr/>
+          <p:nvPr/>
+        </p:nvCxnSpPr>
+        <p:spPr>
+          <a:xfrm>
+            <a:off x="11713592" y="144941"/>
+            <a:ext cx="360000" cy="0"/>
+          </a:xfrm>
+          <a:prstGeom prst="line">
+            <a:avLst/>
+          </a:prstGeom>
+          <a:ln w="44450" cap="rnd">
+            <a:solidFill>
+              <a:schemeClr val="bg2">
+                <a:lumMod val="90000"/>
+              </a:schemeClr>
+            </a:solidFill>
+          </a:ln>
+          <a:effectLst>
+            <a:outerShdw blurRad="50800" dist="38100" dir="5400000" algn="t" rotWithShape="0">
+              <a:prstClr val="black">
+                <a:alpha val="40000"/>
+              </a:prstClr>
+            </a:outerShdw>
+          </a:effectLst>
+        </p:spPr>
+        <p:style>
+          <a:lnRef idx="1">
+            <a:schemeClr val="accent1"/>
+          </a:lnRef>
+          <a:fillRef idx="0">
+            <a:schemeClr val="accent1"/>
+          </a:fillRef>
+          <a:effectRef idx="0">
+            <a:schemeClr val="accent1"/>
+          </a:effectRef>
+          <a:fontRef idx="minor">
+            <a:schemeClr val="tx1"/>
+          </a:fontRef>
+        </p:style>
+      </p:cxnSp>
+      <p:cxnSp>
+        <p:nvCxnSpPr>
+          <p:cNvPr id="18" name="직선 연결선 17"/>
+          <p:cNvCxnSpPr/>
+          <p:nvPr/>
+        </p:nvCxnSpPr>
+        <p:spPr>
+          <a:xfrm>
+            <a:off x="1026522" y="989148"/>
+            <a:ext cx="2160000" cy="0"/>
+          </a:xfrm>
+          <a:prstGeom prst="line">
+            <a:avLst/>
+          </a:prstGeom>
+          <a:ln>
+            <a:solidFill>
+              <a:schemeClr val="bg1">
+                <a:lumMod val="50000"/>
+              </a:schemeClr>
+            </a:solidFill>
+          </a:ln>
+        </p:spPr>
+        <p:style>
+          <a:lnRef idx="1">
+            <a:schemeClr val="accent1"/>
+          </a:lnRef>
+          <a:fillRef idx="0">
+            <a:schemeClr val="accent1"/>
+          </a:fillRef>
+          <a:effectRef idx="0">
+            <a:schemeClr val="accent1"/>
+          </a:effectRef>
+          <a:fontRef idx="minor">
+            <a:schemeClr val="tx1"/>
+          </a:fontRef>
+        </p:style>
+      </p:cxnSp>
+      <p:sp>
+        <p:nvSpPr>
+          <p:cNvPr id="19" name="TextBox 18"/>
+          <p:cNvSpPr txBox="1"/>
+          <p:nvPr/>
+        </p:nvSpPr>
+        <p:spPr>
+          <a:xfrm>
+            <a:off x="984885" y="450092"/>
+            <a:ext cx="7126605" cy="576703"/>
+          </a:xfrm>
+          <a:prstGeom prst="rect">
+            <a:avLst/>
+          </a:prstGeom>
+          <a:noFill/>
+        </p:spPr>
+        <p:txBody>
+          <a:bodyPr wrap="none">
+            <a:spAutoFit/>
+          </a:bodyPr>
+          <a:lstStyle/>
+          <a:p>
+            <a:pPr algn="ctr">
+              <a:defRPr lang="ko-KR" altLang="en-US"/>
+            </a:pPr>
+            <a:r>
+              <a:rPr lang="en-US" altLang="ko-KR" sz="3200">
+                <a:solidFill>
+                  <a:srgbClr val="00002f"/>
+                </a:solidFill>
+                <a:latin typeface="나눔스퀘어 ExtraBold"/>
+                <a:ea typeface="나눔스퀘어 ExtraBold"/>
+              </a:rPr>
+              <a:t>Arduino</a:t>
+            </a:r>
+            <a:r>
+              <a:rPr lang="ko-KR" altLang="en-US" sz="3200">
+                <a:solidFill>
+                  <a:srgbClr val="00002f"/>
+                </a:solidFill>
+                <a:latin typeface="나눔스퀘어 ExtraBold"/>
+                <a:ea typeface="나눔스퀘어 ExtraBold"/>
+              </a:rPr>
+              <a:t> 센서를 이용한 </a:t>
+            </a:r>
+            <a:r>
+              <a:rPr lang="en-US" altLang="ko-KR" sz="3200">
+                <a:solidFill>
+                  <a:srgbClr val="00002f"/>
+                </a:solidFill>
+                <a:latin typeface="나눔스퀘어 ExtraBold"/>
+                <a:ea typeface="나눔스퀘어 ExtraBold"/>
+              </a:rPr>
+              <a:t>Bass drum</a:t>
+            </a:r>
+            <a:r>
+              <a:rPr lang="ko-KR" altLang="en-US" sz="3200">
+                <a:solidFill>
+                  <a:srgbClr val="00002f"/>
+                </a:solidFill>
+                <a:latin typeface="나눔스퀘어 ExtraBold"/>
+                <a:ea typeface="나눔스퀘어 ExtraBold"/>
+              </a:rPr>
+              <a:t> 구현</a:t>
+            </a:r>
+            <a:endParaRPr lang="ko-KR" altLang="en-US" sz="3200">
+              <a:solidFill>
+                <a:srgbClr val="00002f"/>
+              </a:solidFill>
+              <a:latin typeface="나눔스퀘어 ExtraBold"/>
+              <a:ea typeface="나눔스퀘어 ExtraBold"/>
+            </a:endParaRPr>
+          </a:p>
+        </p:txBody>
+      </p:sp>
+      <p:sp>
+        <p:nvSpPr>
+          <p:cNvPr id="20" name="TextBox 19"/>
+          <p:cNvSpPr txBox="1"/>
+          <p:nvPr/>
+        </p:nvSpPr>
+        <p:spPr>
+          <a:xfrm>
+            <a:off x="480060" y="498947"/>
+            <a:ext cx="554355" cy="451648"/>
+          </a:xfrm>
+          <a:prstGeom prst="rect">
+            <a:avLst/>
+          </a:prstGeom>
+          <a:noFill/>
+        </p:spPr>
+        <p:txBody>
+          <a:bodyPr wrap="none">
+            <a:spAutoFit/>
+          </a:bodyPr>
+          <a:lstStyle/>
+          <a:p>
+            <a:pPr algn="ctr">
+              <a:defRPr lang="ko-KR" altLang="en-US"/>
+            </a:pPr>
+            <a:r>
+              <a:rPr lang="en-US" altLang="ko-KR" sz="2400" b="0" spc="-150">
+                <a:solidFill>
+                  <a:srgbClr val="00002f"/>
+                </a:solidFill>
+                <a:latin typeface="나눔스퀘어 ExtraBold"/>
+                <a:ea typeface="나눔스퀘어 ExtraBold"/>
+              </a:rPr>
+              <a:t>03.</a:t>
+            </a:r>
+            <a:endParaRPr lang="ko-KR" altLang="en-US" sz="2400" b="0" spc="-150">
+              <a:solidFill>
+                <a:srgbClr val="00002f"/>
+              </a:solidFill>
+              <a:latin typeface="나눔스퀘어 ExtraBold"/>
+              <a:ea typeface="나눔스퀘어 ExtraBold"/>
+            </a:endParaRPr>
+          </a:p>
+        </p:txBody>
+      </p:sp>
+      <p:sp>
+        <p:nvSpPr>
+          <p:cNvPr id="25" name=""/>
+          <p:cNvSpPr txBox="1"/>
+          <p:nvPr/>
+        </p:nvSpPr>
+        <p:spPr>
+          <a:xfrm>
+            <a:off x="380998" y="1198879"/>
+            <a:ext cx="11531602" cy="361316"/>
+          </a:xfrm>
+          <a:prstGeom prst="rect">
+            <a:avLst/>
+          </a:prstGeom>
+        </p:spPr>
+        <p:txBody>
+          <a:bodyPr wrap="square">
+            <a:spAutoFit/>
+          </a:bodyPr>
+          <a:p>
+            <a:pPr>
+              <a:defRPr lang="ko-KR" altLang="en-US"/>
+            </a:pPr>
+            <a:endParaRPr lang="ko-KR" altLang="en-US"/>
+          </a:p>
+        </p:txBody>
+      </p:sp>
+      <p:sp>
+        <p:nvSpPr>
+          <p:cNvPr id="33" name=""/>
+          <p:cNvSpPr txBox="1"/>
+          <p:nvPr/>
+        </p:nvSpPr>
+        <p:spPr>
+          <a:xfrm>
+            <a:off x="3894666" y="1499233"/>
+            <a:ext cx="7099304" cy="4023362"/>
+          </a:xfrm>
+          <a:prstGeom prst="rect">
+            <a:avLst/>
+          </a:prstGeom>
+        </p:spPr>
+        <p:txBody>
+          <a:bodyPr wrap="square">
+            <a:spAutoFit/>
+          </a:bodyPr>
+          <a:p>
+            <a:pPr algn="ctr">
+              <a:defRPr lang="ko-KR" altLang="en-US"/>
+            </a:pPr>
+            <a:r>
+              <a:rPr lang="ko-KR" altLang="en-US" sz="2000" b="1"/>
+              <a:t>문제점</a:t>
+            </a:r>
+            <a:endParaRPr lang="ko-KR" altLang="en-US" b="1"/>
+          </a:p>
+          <a:p>
+            <a:pPr>
+              <a:defRPr lang="ko-KR" altLang="en-US"/>
+            </a:pPr>
+            <a:r>
+              <a:rPr lang="en-US" altLang="ko-KR"/>
+              <a:t>Start()</a:t>
+            </a:r>
+            <a:r>
+              <a:rPr lang="ko-KR" altLang="en-US"/>
+              <a:t>함수에서 2초 주기로 </a:t>
+            </a:r>
+            <a:r>
+              <a:rPr lang="en-US" altLang="ko-KR"/>
+              <a:t>Sound</a:t>
+            </a:r>
+            <a:r>
+              <a:rPr lang="ko-KR" altLang="en-US"/>
+              <a:t>를 </a:t>
+            </a:r>
+            <a:r>
+              <a:rPr lang="en-US" altLang="ko-KR"/>
+              <a:t>play</a:t>
+            </a:r>
+            <a:r>
+              <a:rPr lang="ko-KR" altLang="en-US"/>
+              <a:t>하는 </a:t>
+            </a:r>
+            <a:r>
+              <a:rPr lang="en-US" altLang="ko-KR"/>
+              <a:t>Music</a:t>
+            </a:r>
+            <a:r>
+              <a:rPr lang="ko-KR" altLang="en-US"/>
+              <a:t> 함수를 호출하고 있다.</a:t>
+            </a:r>
+            <a:endParaRPr lang="ko-KR" altLang="en-US"/>
+          </a:p>
+          <a:p>
+            <a:pPr>
+              <a:defRPr lang="ko-KR" altLang="en-US"/>
+            </a:pPr>
+            <a:endParaRPr lang="ko-KR" altLang="en-US"/>
+          </a:p>
+          <a:p>
+            <a:pPr>
+              <a:defRPr lang="ko-KR" altLang="en-US"/>
+            </a:pPr>
+            <a:r>
+              <a:rPr lang="ko-KR" altLang="en-US" sz="2000" b="1"/>
+              <a:t>→</a:t>
+            </a:r>
+            <a:r>
+              <a:rPr lang="ko-KR" altLang="en-US"/>
+              <a:t>현재는 압력 센서의 값이 있을때마다 바로 </a:t>
+            </a:r>
+            <a:r>
+              <a:rPr lang="en-US" altLang="ko-KR"/>
+              <a:t>Kick sound</a:t>
+            </a:r>
+            <a:r>
+              <a:rPr lang="ko-KR" altLang="en-US"/>
+              <a:t> 를 출력하는 것이 아닌 일정 주기에 값이 있으면 출력하는 방식이라 현실감이 떨어진다.</a:t>
+            </a:r>
+            <a:endParaRPr lang="ko-KR" altLang="en-US"/>
+          </a:p>
+          <a:p>
+            <a:pPr>
+              <a:defRPr lang="ko-KR" altLang="en-US"/>
+            </a:pPr>
+            <a:endParaRPr lang="ko-KR" altLang="en-US"/>
+          </a:p>
+          <a:p>
+            <a:pPr>
+              <a:defRPr lang="ko-KR" altLang="en-US"/>
+            </a:pPr>
+            <a:endParaRPr lang="ko-KR" altLang="en-US"/>
+          </a:p>
+          <a:p>
+            <a:pPr>
+              <a:defRPr lang="ko-KR" altLang="en-US"/>
+            </a:pPr>
+            <a:endParaRPr lang="ko-KR" altLang="en-US"/>
+          </a:p>
+          <a:p>
+            <a:pPr algn="ctr">
+              <a:defRPr lang="ko-KR" altLang="en-US"/>
+            </a:pPr>
+            <a:r>
+              <a:rPr lang="ko-KR" altLang="en-US" sz="2000" b="1"/>
+              <a:t>개선방안</a:t>
+            </a:r>
+            <a:endParaRPr lang="ko-KR" altLang="en-US" b="1"/>
+          </a:p>
+          <a:p>
+            <a:pPr>
+              <a:defRPr lang="ko-KR" altLang="en-US"/>
+            </a:pPr>
+            <a:r>
+              <a:rPr lang="ko-KR" altLang="en-US"/>
+              <a:t>일정 주기로 출력하는 것이 아닌 사용자가 페달을 밟았다는 어느정도 의미 있는 값이 생길때마다 그에 맞는 </a:t>
+            </a:r>
+            <a:r>
+              <a:rPr lang="en-US" altLang="ko-KR"/>
+              <a:t>Kick sound</a:t>
+            </a:r>
+            <a:r>
+              <a:rPr lang="ko-KR" altLang="en-US"/>
+              <a:t> 를 출력하도록 수정해야한다.</a:t>
+            </a:r>
+            <a:endParaRPr lang="ko-KR" altLang="en-US"/>
+          </a:p>
+        </p:txBody>
+      </p:sp>
+      <p:pic>
+        <p:nvPicPr>
+          <p:cNvPr id="38" name=""/>
+          <p:cNvPicPr>
+            <a:picLocks noChangeAspect="1"/>
+          </p:cNvPicPr>
+          <p:nvPr/>
+        </p:nvPicPr>
+        <p:blipFill rotWithShape="1">
+          <a:blip r:embed="rId2"/>
+          <a:stretch>
+            <a:fillRect/>
+          </a:stretch>
+        </p:blipFill>
+        <p:spPr>
+          <a:xfrm>
+            <a:off x="812800" y="1136015"/>
+            <a:ext cx="2717893" cy="5290185"/>
+          </a:xfrm>
+          <a:prstGeom prst="rect">
+            <a:avLst/>
+          </a:prstGeom>
+        </p:spPr>
+      </p:pic>
+    </p:spTree>
+  </p:cSld>
+  <p:clrMapOvr>
+    <a:masterClrMapping/>
+  </p:clrMapOvr>
+  <mc:AlternateContent xmlns:mc="http://schemas.openxmlformats.org/markup-compatibility/2006">
+    <mc:Choice xmlns:p14="http://schemas.microsoft.com/office/powerpoint/2010/main" Requires="p14">
+      <p:transition xmlns:mc="http://schemas.openxmlformats.org/markup-compatibility/2006" xmlns:p14="http://schemas.microsoft.com/office/powerpoint/2010/main" mc:Ignorable="p14" p14:dur="500"/>
+    </mc:Choice>
+    <mc:Fallback>
+      <p:transition/>
+    </mc:Fallback>
+  </mc:AlternateContent>
+  <p:timing>
+    <p:tnLst>
+      <p:par>
+        <p:cTn id="1" dur="indefinite" restart="never" nodeType="tmRoot"/>
+      </p:par>
+    </p:tnLst>
+  </p:timing>
+</p:sld>
+</file>
+
+<file path=ppt/slides/slide12.xml><?xml version="1.0" encoding="utf-8"?>
+<p:sld xmlns:r="http://schemas.openxmlformats.org/officeDocument/2006/relationships" xmlns:c="http://schemas.openxmlformats.org/drawingml/2006/chart" xmlns:a="http://schemas.openxmlformats.org/drawingml/2006/main" xmlns:dgm="http://schemas.openxmlformats.org/drawingml/2006/diagram" xmlns:dsp="http://schemas.microsoft.com/office/drawing/2008/diagram" xmlns:p="http://schemas.openxmlformats.org/presentationml/2006/main">
+  <p:cSld>
+    <p:spTree>
+      <p:nvGrpSpPr>
+        <p:cNvPr id="1" name=""/>
+        <p:cNvGrpSpPr/>
+        <p:nvPr/>
+      </p:nvGrpSpPr>
+      <p:grpSpPr>
+        <a:xfrm>
+          <a:off x="0" y="0"/>
+          <a:ext cx="0" cy="0"/>
+          <a:chOff x="0" y="0"/>
+          <a:chExt cx="0" cy="0"/>
+        </a:xfrm>
+      </p:grpSpPr>
+      <p:cxnSp>
+        <p:nvCxnSpPr>
+          <p:cNvPr id="14" name="직선 연결선 13"/>
+          <p:cNvCxnSpPr/>
+          <p:nvPr/>
+        </p:nvCxnSpPr>
+        <p:spPr>
+          <a:xfrm>
+            <a:off x="10430892" y="144941"/>
+            <a:ext cx="360000" cy="0"/>
+          </a:xfrm>
+          <a:prstGeom prst="line">
+            <a:avLst/>
+          </a:prstGeom>
+          <a:ln w="44450" cap="rnd">
+            <a:solidFill>
+              <a:srgbClr val="d0cece"/>
+            </a:solidFill>
+          </a:ln>
+          <a:effectLst>
+            <a:outerShdw blurRad="50800" dist="38100" dir="5400000" algn="t" rotWithShape="0">
+              <a:prstClr val="black">
+                <a:alpha val="40000"/>
+              </a:prstClr>
+            </a:outerShdw>
+          </a:effectLst>
+        </p:spPr>
+        <p:style>
+          <a:lnRef idx="1">
+            <a:schemeClr val="accent1"/>
+          </a:lnRef>
+          <a:fillRef idx="0">
+            <a:schemeClr val="accent1"/>
+          </a:fillRef>
+          <a:effectRef idx="0">
+            <a:schemeClr val="accent1"/>
+          </a:effectRef>
+          <a:fontRef idx="minor">
+            <a:schemeClr val="tx1"/>
+          </a:fontRef>
+        </p:style>
+      </p:cxnSp>
+      <p:cxnSp>
+        <p:nvCxnSpPr>
+          <p:cNvPr id="15" name="직선 연결선 14"/>
+          <p:cNvCxnSpPr/>
+          <p:nvPr/>
+        </p:nvCxnSpPr>
+        <p:spPr>
+          <a:xfrm>
+            <a:off x="10858459" y="144941"/>
+            <a:ext cx="360000" cy="0"/>
+          </a:xfrm>
+          <a:prstGeom prst="line">
+            <a:avLst/>
+          </a:prstGeom>
+          <a:ln w="44450" cap="rnd">
+            <a:solidFill>
+              <a:schemeClr val="bg2">
+                <a:lumMod val="90000"/>
+              </a:schemeClr>
+            </a:solidFill>
+          </a:ln>
+          <a:effectLst>
+            <a:outerShdw blurRad="50800" dist="38100" dir="5400000" algn="t" rotWithShape="0">
+              <a:prstClr val="black">
+                <a:alpha val="40000"/>
+              </a:prstClr>
+            </a:outerShdw>
+          </a:effectLst>
+        </p:spPr>
+        <p:style>
+          <a:lnRef idx="1">
+            <a:schemeClr val="accent1"/>
+          </a:lnRef>
+          <a:fillRef idx="0">
+            <a:schemeClr val="accent1"/>
+          </a:fillRef>
+          <a:effectRef idx="0">
+            <a:schemeClr val="accent1"/>
+          </a:effectRef>
+          <a:fontRef idx="minor">
+            <a:schemeClr val="tx1"/>
+          </a:fontRef>
+        </p:style>
+      </p:cxnSp>
+      <p:cxnSp>
+        <p:nvCxnSpPr>
+          <p:cNvPr id="16" name="직선 연결선 15"/>
+          <p:cNvCxnSpPr/>
+          <p:nvPr/>
+        </p:nvCxnSpPr>
+        <p:spPr>
+          <a:xfrm>
+            <a:off x="11286026" y="144941"/>
+            <a:ext cx="360000" cy="0"/>
+          </a:xfrm>
+          <a:prstGeom prst="line">
+            <a:avLst/>
+          </a:prstGeom>
+          <a:ln w="44450" cap="rnd">
+            <a:solidFill>
               <a:schemeClr val="bg2">
                 <a:lumMod val="90000"/>
               </a:schemeClr>
@@ -9819,7 +10383,7 @@
 </p:sld>
 </file>
 
-<file path=ppt/slides/slide12.xml><?xml version="1.0" encoding="utf-8"?>
+<file path=ppt/slides/slide13.xml><?xml version="1.0" encoding="utf-8"?>
 <p:sld xmlns:r="http://schemas.openxmlformats.org/officeDocument/2006/relationships" xmlns:c="http://schemas.openxmlformats.org/drawingml/2006/chart" xmlns:a="http://schemas.openxmlformats.org/drawingml/2006/main" xmlns:dgm="http://schemas.openxmlformats.org/drawingml/2006/diagram" xmlns:dsp="http://schemas.microsoft.com/office/drawing/2008/diagram" xmlns:p="http://schemas.openxmlformats.org/presentationml/2006/main">
   <p:cSld>
     <p:spTree>
@@ -10034,21 +10598,15 @@
         </p:nvSpPr>
         <p:spPr>
           <a:xfrm>
-            <a:off x="194614" y="4286250"/>
-            <a:ext cx="2201573" cy="469900"/>
+            <a:off x="194400" y="4287600"/>
+            <a:ext cx="2203200" cy="471600"/>
           </a:xfrm>
           <a:prstGeom prst="rect">
             <a:avLst/>
           </a:prstGeom>
-          <a:solidFill>
-            <a:schemeClr val="bg1">
-              <a:alpha val="80000"/>
-            </a:schemeClr>
-          </a:solidFill>
-          <a:ln>
-            <a:solidFill>
-              <a:schemeClr val="bg1"/>
-            </a:solidFill>
+          <a:noFill/>
+          <a:ln algn="ctr">
+            <a:noFill/>
           </a:ln>
         </p:spPr>
         <p:style>
@@ -10068,7 +10626,9 @@
           </a:fontRef>
         </p:style>
         <p:txBody>
-          <a:bodyPr anchor="ctr"/>
+          <a:bodyPr vert="horz" wrap="square" lIns="91440" tIns="45720" rIns="91440" bIns="45720" anchor="ctr">
+            <a:noAutofit/>
+          </a:bodyPr>
           <a:lstStyle/>
           <a:p>
             <a:pPr algn="ctr">
@@ -10153,15 +10713,9 @@
           <a:prstGeom prst="rect">
             <a:avLst/>
           </a:prstGeom>
-          <a:solidFill>
-            <a:schemeClr val="bg1">
-              <a:alpha val="80000"/>
-            </a:schemeClr>
-          </a:solidFill>
-          <a:ln>
-            <a:solidFill>
-              <a:schemeClr val="bg1"/>
-            </a:solidFill>
+          <a:noFill/>
+          <a:ln algn="ctr">
+            <a:noFill/>
           </a:ln>
         </p:spPr>
         <p:style>
@@ -10181,7 +10735,9 @@
           </a:fontRef>
         </p:style>
         <p:txBody>
-          <a:bodyPr anchor="ctr"/>
+          <a:bodyPr vert="horz" wrap="square" lIns="91440" tIns="45720" rIns="91440" bIns="45720" anchor="ctr">
+            <a:noAutofit/>
+          </a:bodyPr>
           <a:lstStyle/>
           <a:p>
             <a:pPr algn="ctr">
@@ -10195,29 +10751,7 @@
                 <a:latin typeface="나눔스퀘어 ExtraBold"/>
                 <a:ea typeface="나눔스퀘어 ExtraBold"/>
               </a:rPr>
-              <a:t>Unity &amp; Arduino?</a:t>
-            </a:r>
-            <a:endParaRPr lang="en-US" altLang="ko-KR" sz="2000">
-              <a:solidFill>
-                <a:srgbClr val="00002f"/>
-              </a:solidFill>
-              <a:latin typeface="나눔스퀘어 ExtraBold"/>
-              <a:ea typeface="나눔스퀘어 ExtraBold"/>
-            </a:endParaRPr>
-          </a:p>
-          <a:p>
-            <a:pPr algn="ctr">
-              <a:defRPr lang="ko-KR" altLang="en-US"/>
-            </a:pPr>
-            <a:r>
-              <a:rPr lang="en-US" altLang="ko-KR" sz="2000">
-                <a:solidFill>
-                  <a:srgbClr val="00002f"/>
-                </a:solidFill>
-                <a:latin typeface="나눔스퀘어 ExtraBold"/>
-                <a:ea typeface="나눔스퀘어 ExtraBold"/>
-              </a:rPr>
-              <a:t>ARDUnity!</a:t>
+              <a:t>ARDUnity</a:t>
             </a:r>
             <a:endParaRPr lang="en-US" altLang="ko-KR" sz="2000">
               <a:solidFill>
@@ -10427,15 +10961,9 @@
           <a:prstGeom prst="rect">
             <a:avLst/>
           </a:prstGeom>
-          <a:solidFill>
-            <a:schemeClr val="bg1">
-              <a:alpha val="80000"/>
-            </a:schemeClr>
-          </a:solidFill>
-          <a:ln>
-            <a:solidFill>
-              <a:schemeClr val="bg1"/>
-            </a:solidFill>
+          <a:noFill/>
+          <a:ln algn="ctr">
+            <a:noFill/>
           </a:ln>
         </p:spPr>
         <p:style>
@@ -10455,7 +10983,9 @@
           </a:fontRef>
         </p:style>
         <p:txBody>
-          <a:bodyPr anchor="ctr"/>
+          <a:bodyPr vert="horz" wrap="square" lIns="91440" tIns="45720" rIns="91440" bIns="45720" anchor="ctr">
+            <a:noAutofit/>
+          </a:bodyPr>
           <a:lstStyle/>
           <a:p>
             <a:pPr algn="ctr">
@@ -10469,29 +10999,7 @@
                 <a:latin typeface="나눔스퀘어 ExtraBold"/>
                 <a:ea typeface="나눔스퀘어 ExtraBold"/>
               </a:rPr>
-              <a:t>앞으로의 구현</a:t>
-            </a:r>
-            <a:endParaRPr lang="ko-KR" altLang="en-US" sz="2000">
-              <a:solidFill>
-                <a:srgbClr val="00002f"/>
-              </a:solidFill>
-              <a:latin typeface="나눔스퀘어 ExtraBold"/>
-              <a:ea typeface="나눔스퀘어 ExtraBold"/>
-            </a:endParaRPr>
-          </a:p>
-          <a:p>
-            <a:pPr algn="ctr">
-              <a:defRPr lang="ko-KR" altLang="en-US"/>
-            </a:pPr>
-            <a:r>
-              <a:rPr lang="ko-KR" altLang="en-US" sz="2000">
-                <a:solidFill>
-                  <a:srgbClr val="00002f"/>
-                </a:solidFill>
-                <a:latin typeface="나눔스퀘어 ExtraBold"/>
-                <a:ea typeface="나눔스퀘어 ExtraBold"/>
-              </a:rPr>
-              <a:t>방향</a:t>
+              <a:t>향후 개발 계획</a:t>
             </a:r>
             <a:endParaRPr lang="ko-KR" altLang="en-US" sz="2000">
               <a:solidFill>
@@ -33651,8 +34159,8 @@
         </p:nvSpPr>
         <p:spPr>
           <a:xfrm>
-            <a:off x="5708650" y="1587501"/>
-            <a:ext cx="5702300" cy="2553969"/>
+            <a:off x="5708650" y="1587500"/>
+            <a:ext cx="5702300" cy="3658870"/>
           </a:xfrm>
           <a:prstGeom prst="rect">
             <a:avLst/>
@@ -33684,7 +34192,15 @@
             </a:pPr>
             <a:r>
               <a:rPr lang="ko-KR" altLang="en-US"/>
-              <a:t>- 아두이노와 유니티를 연동할 수 있게 해주기 때문에 센서 입력을 통한 </a:t>
+              <a:t>- 아두이노와 유니티를</a:t>
+            </a:r>
+            <a:r>
+              <a:rPr lang="en-US" altLang="ko-KR"/>
+              <a:t> Serial </a:t>
+            </a:r>
+            <a:r>
+              <a:rPr lang="ko-KR" altLang="en-US"/>
+              <a:t>통신으로 연결하여 연동할 수 있게 해주기 때문에 센서 입력을 통한 </a:t>
             </a:r>
             <a:r>
               <a:rPr lang="en-US" altLang="ko-KR"/>
@@ -33717,6 +34233,30 @@
             <a:r>
               <a:rPr lang="ko-KR" altLang="en-US"/>
               <a:t>를 제어함으로써 더욱 실감나는 연주가 가능하다.</a:t>
+            </a:r>
+            <a:endParaRPr lang="ko-KR" altLang="en-US"/>
+          </a:p>
+          <a:p>
+            <a:pPr>
+              <a:defRPr lang="ko-KR" altLang="en-US"/>
+            </a:pPr>
+            <a:endParaRPr lang="ko-KR" altLang="en-US"/>
+          </a:p>
+          <a:p>
+            <a:pPr>
+              <a:defRPr lang="ko-KR" altLang="en-US"/>
+            </a:pPr>
+            <a:r>
+              <a:rPr lang="ko-KR" altLang="en-US"/>
+              <a:t>-</a:t>
+            </a:r>
+            <a:r>
+              <a:rPr lang="en-US" altLang="ko-KR"/>
+              <a:t> Serial</a:t>
+            </a:r>
+            <a:r>
+              <a:rPr lang="ko-KR" altLang="en-US"/>
+              <a:t> 통신이 아닌 무선통신을 원할 경우에는 더 많은 기능을 제공하는 유료 에셋을 구매해야한다.</a:t>
             </a:r>
             <a:endParaRPr lang="ko-KR" altLang="en-US"/>
           </a:p>
@@ -35724,7 +36264,7 @@
         <p:spPr>
           <a:xfrm>
             <a:off x="380998" y="1198879"/>
-            <a:ext cx="11531602" cy="2828291"/>
+            <a:ext cx="11531602" cy="3104516"/>
           </a:xfrm>
           <a:prstGeom prst="rect">
             <a:avLst/>
@@ -35760,7 +36300,23 @@
             </a:r>
             <a:r>
               <a:rPr lang="ko-KR" altLang="en-US"/>
-              <a:t>하기 위한 객체를 생성한다.</a:t>
+              <a:t>하기 위한</a:t>
+            </a:r>
+            <a:r>
+              <a:rPr lang="en-US" altLang="ko-KR"/>
+              <a:t> </a:t>
+            </a:r>
+            <a:r>
+              <a:rPr lang="ko-KR" altLang="en-US"/>
+              <a:t>객체를 </a:t>
+            </a:r>
+            <a:r>
+              <a:rPr lang="en-US" altLang="ko-KR"/>
+              <a:t>Unity</a:t>
+            </a:r>
+            <a:r>
+              <a:rPr lang="ko-KR" altLang="en-US"/>
+              <a:t>상에 생성한다.</a:t>
             </a:r>
             <a:endParaRPr lang="ko-KR" altLang="en-US"/>
           </a:p>
@@ -35820,7 +36376,15 @@
             </a:pPr>
             <a:r>
               <a:rPr lang="ko-KR" altLang="en-US"/>
-              <a:t>3. 압력 센서의 값을 받아 </a:t>
+              <a:t>3. </a:t>
+            </a:r>
+            <a:r>
+              <a:rPr lang="en-US" altLang="ko-KR"/>
+              <a:t>Unity</a:t>
+            </a:r>
+            <a:r>
+              <a:rPr lang="ko-KR" altLang="en-US"/>
+              <a:t>에서 압력 센서의 값을 받아 </a:t>
             </a:r>
             <a:r>
               <a:rPr lang="en-US" altLang="ko-KR" u="sng"/>
@@ -35880,7 +36444,15 @@
             </a:r>
             <a:r>
               <a:rPr lang="ko-KR" altLang="en-US"/>
-              <a:t>의 </a:t>
+              <a:t>가 </a:t>
+            </a:r>
+            <a:r>
+              <a:rPr lang="en-US" altLang="ko-KR"/>
+              <a:t>Unity</a:t>
+            </a:r>
+            <a:r>
+              <a:rPr lang="ko-KR" altLang="en-US"/>
+              <a:t> 상에서 제공하는 </a:t>
             </a:r>
             <a:r>
               <a:rPr lang="en-US" altLang="ko-KR" u="sng"/>
@@ -36300,7 +36872,7 @@
         <p:spPr>
           <a:xfrm>
             <a:off x="380998" y="1198879"/>
-            <a:ext cx="11531602" cy="1732916"/>
+            <a:ext cx="11531602" cy="2009141"/>
           </a:xfrm>
           <a:prstGeom prst="rect">
             <a:avLst/>
@@ -36324,7 +36896,15 @@
             </a:r>
             <a:r>
               <a:rPr lang="ko-KR" altLang="en-US"/>
-              <a:t> 파일을 이용해 </a:t>
+              <a:t> 파일을 </a:t>
+            </a:r>
+            <a:r>
+              <a:rPr lang="en-US" altLang="ko-KR"/>
+              <a:t>Unity</a:t>
+            </a:r>
+            <a:r>
+              <a:rPr lang="ko-KR" altLang="en-US"/>
+              <a:t>로 실행하여 </a:t>
             </a:r>
             <a:r>
               <a:rPr lang="en-US" altLang="ko-KR"/>
@@ -36452,19 +37032,19 @@
             </a:r>
             <a:r>
               <a:rPr lang="en-US" altLang="ko-KR"/>
-              <a:t>Analoginput</a:t>
+              <a:t>Unity</a:t>
             </a:r>
             <a:r>
               <a:rPr lang="ko-KR" altLang="en-US"/>
-              <a:t>의 </a:t>
+              <a:t> 상에서 </a:t>
             </a:r>
             <a:r>
               <a:rPr lang="en-US" altLang="ko-KR"/>
-              <a:t>Sensing</a:t>
+              <a:t>InvokeRepeating</a:t>
             </a:r>
             <a:r>
               <a:rPr lang="ko-KR" altLang="en-US"/>
-              <a:t> 주기는 2초로 한다.</a:t>
+              <a:t> 메소드를 이용하여 드럼 소리를 내는 주기는 2초로 한다.</a:t>
             </a:r>
             <a:endParaRPr lang="ko-KR" altLang="en-US"/>
           </a:p>
